--- a/Ai_weather_predection.pptx
+++ b/Ai_weather_predection.pptx
@@ -10,8 +10,10 @@
     <p:sldId id="262" r:id="rId4"/>
     <p:sldId id="263" r:id="rId5"/>
     <p:sldId id="266" r:id="rId6"/>
-    <p:sldId id="268" r:id="rId7"/>
-    <p:sldId id="272" r:id="rId8"/>
+    <p:sldId id="274" r:id="rId7"/>
+    <p:sldId id="273" r:id="rId8"/>
+    <p:sldId id="268" r:id="rId9"/>
+    <p:sldId id="272" r:id="rId10"/>
   </p:sldIdLst>
   <p:sldSz cx="12192000" cy="6858000"/>
   <p:notesSz cx="6858000" cy="9144000"/>
@@ -863,7 +865,7 @@
           <a:p>
             <a:fld id="{EF0EAB50-3CC6-4162-8D82-BDEA0D264ADC}" type="datetimeFigureOut">
               <a:rPr lang="en-IN" smtClean="0"/>
-              <a:t>06-12-2021</a:t>
+              <a:t>13-12-2021</a:t>
             </a:fld>
             <a:endParaRPr lang="en-IN"/>
           </a:p>
@@ -1114,7 +1116,7 @@
           <a:p>
             <a:fld id="{EF0EAB50-3CC6-4162-8D82-BDEA0D264ADC}" type="datetimeFigureOut">
               <a:rPr lang="en-IN" smtClean="0"/>
-              <a:t>06-12-2021</a:t>
+              <a:t>13-12-2021</a:t>
             </a:fld>
             <a:endParaRPr lang="en-IN"/>
           </a:p>
@@ -1428,7 +1430,7 @@
           <a:p>
             <a:fld id="{EF0EAB50-3CC6-4162-8D82-BDEA0D264ADC}" type="datetimeFigureOut">
               <a:rPr lang="en-IN" smtClean="0"/>
-              <a:t>06-12-2021</a:t>
+              <a:t>13-12-2021</a:t>
             </a:fld>
             <a:endParaRPr lang="en-IN"/>
           </a:p>
@@ -1761,7 +1763,7 @@
           <a:p>
             <a:fld id="{EF0EAB50-3CC6-4162-8D82-BDEA0D264ADC}" type="datetimeFigureOut">
               <a:rPr lang="en-IN" smtClean="0"/>
-              <a:t>06-12-2021</a:t>
+              <a:t>13-12-2021</a:t>
             </a:fld>
             <a:endParaRPr lang="en-IN"/>
           </a:p>
@@ -2075,7 +2077,7 @@
           <a:p>
             <a:fld id="{EF0EAB50-3CC6-4162-8D82-BDEA0D264ADC}" type="datetimeFigureOut">
               <a:rPr lang="en-IN" smtClean="0"/>
-              <a:t>06-12-2021</a:t>
+              <a:t>13-12-2021</a:t>
             </a:fld>
             <a:endParaRPr lang="en-IN"/>
           </a:p>
@@ -2468,7 +2470,7 @@
           <a:p>
             <a:fld id="{EF0EAB50-3CC6-4162-8D82-BDEA0D264ADC}" type="datetimeFigureOut">
               <a:rPr lang="en-IN" smtClean="0"/>
-              <a:t>06-12-2021</a:t>
+              <a:t>13-12-2021</a:t>
             </a:fld>
             <a:endParaRPr lang="en-IN"/>
           </a:p>
@@ -2638,7 +2640,7 @@
           <a:p>
             <a:fld id="{EF0EAB50-3CC6-4162-8D82-BDEA0D264ADC}" type="datetimeFigureOut">
               <a:rPr lang="en-IN" smtClean="0"/>
-              <a:t>06-12-2021</a:t>
+              <a:t>13-12-2021</a:t>
             </a:fld>
             <a:endParaRPr lang="en-IN"/>
           </a:p>
@@ -2818,7 +2820,7 @@
           <a:p>
             <a:fld id="{EF0EAB50-3CC6-4162-8D82-BDEA0D264ADC}" type="datetimeFigureOut">
               <a:rPr lang="en-IN" smtClean="0"/>
-              <a:t>06-12-2021</a:t>
+              <a:t>13-12-2021</a:t>
             </a:fld>
             <a:endParaRPr lang="en-IN"/>
           </a:p>
@@ -2988,7 +2990,7 @@
           <a:p>
             <a:fld id="{EF0EAB50-3CC6-4162-8D82-BDEA0D264ADC}" type="datetimeFigureOut">
               <a:rPr lang="en-IN" smtClean="0"/>
-              <a:t>06-12-2021</a:t>
+              <a:t>13-12-2021</a:t>
             </a:fld>
             <a:endParaRPr lang="en-IN"/>
           </a:p>
@@ -3235,7 +3237,7 @@
           <a:p>
             <a:fld id="{EF0EAB50-3CC6-4162-8D82-BDEA0D264ADC}" type="datetimeFigureOut">
               <a:rPr lang="en-IN" smtClean="0"/>
-              <a:t>06-12-2021</a:t>
+              <a:t>13-12-2021</a:t>
             </a:fld>
             <a:endParaRPr lang="en-IN"/>
           </a:p>
@@ -3467,7 +3469,7 @@
           <a:p>
             <a:fld id="{EF0EAB50-3CC6-4162-8D82-BDEA0D264ADC}" type="datetimeFigureOut">
               <a:rPr lang="en-IN" smtClean="0"/>
-              <a:t>06-12-2021</a:t>
+              <a:t>13-12-2021</a:t>
             </a:fld>
             <a:endParaRPr lang="en-IN"/>
           </a:p>
@@ -3841,7 +3843,7 @@
           <a:p>
             <a:fld id="{EF0EAB50-3CC6-4162-8D82-BDEA0D264ADC}" type="datetimeFigureOut">
               <a:rPr lang="en-IN" smtClean="0"/>
-              <a:t>06-12-2021</a:t>
+              <a:t>13-12-2021</a:t>
             </a:fld>
             <a:endParaRPr lang="en-IN"/>
           </a:p>
@@ -3964,7 +3966,7 @@
           <a:p>
             <a:fld id="{EF0EAB50-3CC6-4162-8D82-BDEA0D264ADC}" type="datetimeFigureOut">
               <a:rPr lang="en-IN" smtClean="0"/>
-              <a:t>06-12-2021</a:t>
+              <a:t>13-12-2021</a:t>
             </a:fld>
             <a:endParaRPr lang="en-IN"/>
           </a:p>
@@ -4059,7 +4061,7 @@
           <a:p>
             <a:fld id="{EF0EAB50-3CC6-4162-8D82-BDEA0D264ADC}" type="datetimeFigureOut">
               <a:rPr lang="en-IN" smtClean="0"/>
-              <a:t>06-12-2021</a:t>
+              <a:t>13-12-2021</a:t>
             </a:fld>
             <a:endParaRPr lang="en-IN"/>
           </a:p>
@@ -4314,7 +4316,7 @@
           <a:p>
             <a:fld id="{EF0EAB50-3CC6-4162-8D82-BDEA0D264ADC}" type="datetimeFigureOut">
               <a:rPr lang="en-IN" smtClean="0"/>
-              <a:t>06-12-2021</a:t>
+              <a:t>13-12-2021</a:t>
             </a:fld>
             <a:endParaRPr lang="en-IN"/>
           </a:p>
@@ -4619,7 +4621,7 @@
           <a:p>
             <a:fld id="{EF0EAB50-3CC6-4162-8D82-BDEA0D264ADC}" type="datetimeFigureOut">
               <a:rPr lang="en-IN" smtClean="0"/>
-              <a:t>06-12-2021</a:t>
+              <a:t>13-12-2021</a:t>
             </a:fld>
             <a:endParaRPr lang="en-IN"/>
           </a:p>
@@ -5321,7 +5323,7 @@
           <a:p>
             <a:fld id="{EF0EAB50-3CC6-4162-8D82-BDEA0D264ADC}" type="datetimeFigureOut">
               <a:rPr lang="en-IN" smtClean="0"/>
-              <a:t>06-12-2021</a:t>
+              <a:t>13-12-2021</a:t>
             </a:fld>
             <a:endParaRPr lang="en-IN"/>
           </a:p>
@@ -7656,15 +7658,8 @@
             </a:pPr>
             <a:r>
               <a:rPr lang="en-IN" dirty="0"/>
-              <a:t>Evaluated the model by F1 score and confusion matrix.</a:t>
-            </a:r>
-          </a:p>
-          <a:p>
-            <a:pPr marL="457200" indent="-457200">
-              <a:buFont typeface="+mj-lt"/>
-              <a:buAutoNum type="arabicPeriod"/>
-            </a:pPr>
-            <a:endParaRPr lang="en-IN" dirty="0"/>
+              <a:t>Evaluated the model by R2 score ,Mean Square error and Root Mean Square error</a:t>
+            </a:r>
           </a:p>
           <a:p>
             <a:pPr marL="0" indent="0">
@@ -7787,7 +7782,7 @@
           <a:p>
             <a:r>
               <a:rPr lang="en-IN" sz="4400" dirty="0"/>
-              <a:t>Performance</a:t>
+              <a:t>Plot between Test and Predicted</a:t>
             </a:r>
           </a:p>
         </p:txBody>
@@ -8064,6 +8059,438 @@
             </a:lvl9pPr>
           </a:lstStyle>
           <a:p>
+            <a:pPr marL="0" indent="0">
+              <a:buNone/>
+            </a:pPr>
+            <a:endParaRPr lang="en-IN" dirty="0"/>
+          </a:p>
+          <a:p>
+            <a:pPr marL="0" indent="0">
+              <a:buNone/>
+            </a:pPr>
+            <a:endParaRPr lang="en-IN" dirty="0"/>
+          </a:p>
+        </p:txBody>
+      </p:sp>
+      <p:pic>
+        <p:nvPicPr>
+          <p:cNvPr id="5" name="Picture 4">
+            <a:extLst>
+              <a:ext uri="{FF2B5EF4-FFF2-40B4-BE49-F238E27FC236}">
+                <a16:creationId xmlns:a16="http://schemas.microsoft.com/office/drawing/2014/main" id="{36D326DE-C689-4DB0-A1B8-0D86BCB65D66}"/>
+              </a:ext>
+            </a:extLst>
+          </p:cNvPr>
+          <p:cNvPicPr>
+            <a:picLocks noChangeAspect="1"/>
+          </p:cNvPicPr>
+          <p:nvPr/>
+        </p:nvPicPr>
+        <p:blipFill>
+          <a:blip r:embed="rId2"/>
+          <a:stretch>
+            <a:fillRect/>
+          </a:stretch>
+        </p:blipFill>
+        <p:spPr>
+          <a:xfrm>
+            <a:off x="2105891" y="1335953"/>
+            <a:ext cx="5975564" cy="4456728"/>
+          </a:xfrm>
+          <a:prstGeom prst="rect">
+            <a:avLst/>
+          </a:prstGeom>
+        </p:spPr>
+      </p:pic>
+    </p:spTree>
+    <p:extLst>
+      <p:ext uri="{BB962C8B-B14F-4D97-AF65-F5344CB8AC3E}">
+        <p14:creationId xmlns:p14="http://schemas.microsoft.com/office/powerpoint/2010/main" val="3542502230"/>
+      </p:ext>
+    </p:extLst>
+  </p:cSld>
+  <p:clrMapOvr>
+    <a:masterClrMapping/>
+  </p:clrMapOvr>
+</p:sld>
+</file>
+
+<file path=ppt/slides/slide7.xml><?xml version="1.0" encoding="utf-8"?>
+<p:sld xmlns:a="http://schemas.openxmlformats.org/drawingml/2006/main" xmlns:r="http://schemas.openxmlformats.org/officeDocument/2006/relationships" xmlns:p="http://schemas.openxmlformats.org/presentationml/2006/main">
+  <p:cSld>
+    <p:spTree>
+      <p:nvGrpSpPr>
+        <p:cNvPr id="1" name=""/>
+        <p:cNvGrpSpPr/>
+        <p:nvPr/>
+      </p:nvGrpSpPr>
+      <p:grpSpPr>
+        <a:xfrm>
+          <a:off x="0" y="0"/>
+          <a:ext cx="0" cy="0"/>
+          <a:chOff x="0" y="0"/>
+          <a:chExt cx="0" cy="0"/>
+        </a:xfrm>
+      </p:grpSpPr>
+    </p:spTree>
+    <p:extLst>
+      <p:ext uri="{BB962C8B-B14F-4D97-AF65-F5344CB8AC3E}">
+        <p14:creationId xmlns:p14="http://schemas.microsoft.com/office/powerpoint/2010/main" val="893418977"/>
+      </p:ext>
+    </p:extLst>
+  </p:cSld>
+  <p:clrMapOvr>
+    <a:masterClrMapping/>
+  </p:clrMapOvr>
+</p:sld>
+</file>
+
+<file path=ppt/slides/slide8.xml><?xml version="1.0" encoding="utf-8"?>
+<p:sld xmlns:a="http://schemas.openxmlformats.org/drawingml/2006/main" xmlns:r="http://schemas.openxmlformats.org/officeDocument/2006/relationships" xmlns:p="http://schemas.openxmlformats.org/presentationml/2006/main">
+  <p:cSld>
+    <p:spTree>
+      <p:nvGrpSpPr>
+        <p:cNvPr id="1" name=""/>
+        <p:cNvGrpSpPr/>
+        <p:nvPr/>
+      </p:nvGrpSpPr>
+      <p:grpSpPr>
+        <a:xfrm>
+          <a:off x="0" y="0"/>
+          <a:ext cx="0" cy="0"/>
+          <a:chOff x="0" y="0"/>
+          <a:chExt cx="0" cy="0"/>
+        </a:xfrm>
+      </p:grpSpPr>
+      <p:sp>
+        <p:nvSpPr>
+          <p:cNvPr id="2" name="Title 1">
+            <a:extLst>
+              <a:ext uri="{FF2B5EF4-FFF2-40B4-BE49-F238E27FC236}">
+                <a16:creationId xmlns:a16="http://schemas.microsoft.com/office/drawing/2014/main" id="{C8D2B961-29C8-4BB5-9CFD-896993F45DA2}"/>
+              </a:ext>
+            </a:extLst>
+          </p:cNvPr>
+          <p:cNvSpPr txBox="1">
+            <a:spLocks/>
+          </p:cNvSpPr>
+          <p:nvPr/>
+        </p:nvSpPr>
+        <p:spPr>
+          <a:xfrm>
+            <a:off x="1097280" y="286603"/>
+            <a:ext cx="10058400" cy="618919"/>
+          </a:xfrm>
+          <a:prstGeom prst="rect">
+            <a:avLst/>
+          </a:prstGeom>
+        </p:spPr>
+        <p:txBody>
+          <a:bodyPr>
+            <a:noAutofit/>
+          </a:bodyPr>
+          <a:lstStyle>
+            <a:lvl1pPr algn="l" defTabSz="914400" rtl="0" eaLnBrk="1" latinLnBrk="0" hangingPunct="1">
+              <a:lnSpc>
+                <a:spcPct val="85000"/>
+              </a:lnSpc>
+              <a:spcBef>
+                <a:spcPct val="0"/>
+              </a:spcBef>
+              <a:buNone/>
+              <a:defRPr sz="4800" kern="1200" spc="-50" baseline="0">
+                <a:solidFill>
+                  <a:schemeClr val="tx1">
+                    <a:lumMod val="75000"/>
+                    <a:lumOff val="25000"/>
+                  </a:schemeClr>
+                </a:solidFill>
+                <a:latin typeface="+mj-lt"/>
+                <a:ea typeface="+mj-ea"/>
+                <a:cs typeface="+mj-cs"/>
+              </a:defRPr>
+            </a:lvl1pPr>
+          </a:lstStyle>
+          <a:p>
+            <a:r>
+              <a:rPr lang="en-IN" sz="4400" dirty="0"/>
+              <a:t>Performance</a:t>
+            </a:r>
+          </a:p>
+        </p:txBody>
+      </p:sp>
+      <p:sp>
+        <p:nvSpPr>
+          <p:cNvPr id="3" name="Content Placeholder 2">
+            <a:extLst>
+              <a:ext uri="{FF2B5EF4-FFF2-40B4-BE49-F238E27FC236}">
+                <a16:creationId xmlns:a16="http://schemas.microsoft.com/office/drawing/2014/main" id="{E1CB04C1-F750-4BB9-8769-06E618EDB0F6}"/>
+              </a:ext>
+            </a:extLst>
+          </p:cNvPr>
+          <p:cNvSpPr txBox="1">
+            <a:spLocks/>
+          </p:cNvSpPr>
+          <p:nvPr/>
+        </p:nvSpPr>
+        <p:spPr>
+          <a:xfrm>
+            <a:off x="990748" y="1065319"/>
+            <a:ext cx="10058400" cy="5506078"/>
+          </a:xfrm>
+          <a:prstGeom prst="rect">
+            <a:avLst/>
+          </a:prstGeom>
+        </p:spPr>
+        <p:txBody>
+          <a:bodyPr/>
+          <a:lstStyle>
+            <a:lvl1pPr marL="91440" indent="-91440" algn="l" defTabSz="914400" rtl="0" eaLnBrk="1" latinLnBrk="0" hangingPunct="1">
+              <a:lnSpc>
+                <a:spcPct val="90000"/>
+              </a:lnSpc>
+              <a:spcBef>
+                <a:spcPts val="1200"/>
+              </a:spcBef>
+              <a:spcAft>
+                <a:spcPts val="200"/>
+              </a:spcAft>
+              <a:buClr>
+                <a:schemeClr val="accent1"/>
+              </a:buClr>
+              <a:buSzPct val="100000"/>
+              <a:buFont typeface="Calibri" panose="020F0502020204030204" pitchFamily="34" charset="0"/>
+              <a:buChar char=" "/>
+              <a:defRPr sz="2000" kern="1200">
+                <a:solidFill>
+                  <a:schemeClr val="tx1">
+                    <a:lumMod val="75000"/>
+                    <a:lumOff val="25000"/>
+                  </a:schemeClr>
+                </a:solidFill>
+                <a:latin typeface="+mn-lt"/>
+                <a:ea typeface="+mn-ea"/>
+                <a:cs typeface="+mn-cs"/>
+              </a:defRPr>
+            </a:lvl1pPr>
+            <a:lvl2pPr marL="384048" indent="-182880" algn="l" defTabSz="914400" rtl="0" eaLnBrk="1" latinLnBrk="0" hangingPunct="1">
+              <a:lnSpc>
+                <a:spcPct val="90000"/>
+              </a:lnSpc>
+              <a:spcBef>
+                <a:spcPts val="200"/>
+              </a:spcBef>
+              <a:spcAft>
+                <a:spcPts val="400"/>
+              </a:spcAft>
+              <a:buClr>
+                <a:schemeClr val="accent1"/>
+              </a:buClr>
+              <a:buFont typeface="Calibri" pitchFamily="34" charset="0"/>
+              <a:buChar char="◦"/>
+              <a:defRPr sz="1800" kern="1200">
+                <a:solidFill>
+                  <a:schemeClr val="tx1">
+                    <a:lumMod val="75000"/>
+                    <a:lumOff val="25000"/>
+                  </a:schemeClr>
+                </a:solidFill>
+                <a:latin typeface="+mn-lt"/>
+                <a:ea typeface="+mn-ea"/>
+                <a:cs typeface="+mn-cs"/>
+              </a:defRPr>
+            </a:lvl2pPr>
+            <a:lvl3pPr marL="566928" indent="-182880" algn="l" defTabSz="914400" rtl="0" eaLnBrk="1" latinLnBrk="0" hangingPunct="1">
+              <a:lnSpc>
+                <a:spcPct val="90000"/>
+              </a:lnSpc>
+              <a:spcBef>
+                <a:spcPts val="200"/>
+              </a:spcBef>
+              <a:spcAft>
+                <a:spcPts val="400"/>
+              </a:spcAft>
+              <a:buClr>
+                <a:schemeClr val="accent1"/>
+              </a:buClr>
+              <a:buFont typeface="Calibri" pitchFamily="34" charset="0"/>
+              <a:buChar char="◦"/>
+              <a:defRPr sz="1400" kern="1200">
+                <a:solidFill>
+                  <a:schemeClr val="tx1">
+                    <a:lumMod val="75000"/>
+                    <a:lumOff val="25000"/>
+                  </a:schemeClr>
+                </a:solidFill>
+                <a:latin typeface="+mn-lt"/>
+                <a:ea typeface="+mn-ea"/>
+                <a:cs typeface="+mn-cs"/>
+              </a:defRPr>
+            </a:lvl3pPr>
+            <a:lvl4pPr marL="749808" indent="-182880" algn="l" defTabSz="914400" rtl="0" eaLnBrk="1" latinLnBrk="0" hangingPunct="1">
+              <a:lnSpc>
+                <a:spcPct val="90000"/>
+              </a:lnSpc>
+              <a:spcBef>
+                <a:spcPts val="200"/>
+              </a:spcBef>
+              <a:spcAft>
+                <a:spcPts val="400"/>
+              </a:spcAft>
+              <a:buClr>
+                <a:schemeClr val="accent1"/>
+              </a:buClr>
+              <a:buFont typeface="Calibri" pitchFamily="34" charset="0"/>
+              <a:buChar char="◦"/>
+              <a:defRPr sz="1400" kern="1200">
+                <a:solidFill>
+                  <a:schemeClr val="tx1">
+                    <a:lumMod val="75000"/>
+                    <a:lumOff val="25000"/>
+                  </a:schemeClr>
+                </a:solidFill>
+                <a:latin typeface="+mn-lt"/>
+                <a:ea typeface="+mn-ea"/>
+                <a:cs typeface="+mn-cs"/>
+              </a:defRPr>
+            </a:lvl4pPr>
+            <a:lvl5pPr marL="932688" indent="-182880" algn="l" defTabSz="914400" rtl="0" eaLnBrk="1" latinLnBrk="0" hangingPunct="1">
+              <a:lnSpc>
+                <a:spcPct val="90000"/>
+              </a:lnSpc>
+              <a:spcBef>
+                <a:spcPts val="200"/>
+              </a:spcBef>
+              <a:spcAft>
+                <a:spcPts val="400"/>
+              </a:spcAft>
+              <a:buClr>
+                <a:schemeClr val="accent1"/>
+              </a:buClr>
+              <a:buFont typeface="Calibri" pitchFamily="34" charset="0"/>
+              <a:buChar char="◦"/>
+              <a:defRPr sz="1400" kern="1200">
+                <a:solidFill>
+                  <a:schemeClr val="tx1">
+                    <a:lumMod val="75000"/>
+                    <a:lumOff val="25000"/>
+                  </a:schemeClr>
+                </a:solidFill>
+                <a:latin typeface="+mn-lt"/>
+                <a:ea typeface="+mn-ea"/>
+                <a:cs typeface="+mn-cs"/>
+              </a:defRPr>
+            </a:lvl5pPr>
+            <a:lvl6pPr marL="1100000" indent="-228600" algn="l" defTabSz="914400" rtl="0" eaLnBrk="1" latinLnBrk="0" hangingPunct="1">
+              <a:lnSpc>
+                <a:spcPct val="90000"/>
+              </a:lnSpc>
+              <a:spcBef>
+                <a:spcPts val="200"/>
+              </a:spcBef>
+              <a:spcAft>
+                <a:spcPts val="400"/>
+              </a:spcAft>
+              <a:buClr>
+                <a:schemeClr val="accent1"/>
+              </a:buClr>
+              <a:buFont typeface="Calibri" pitchFamily="34" charset="0"/>
+              <a:buChar char="◦"/>
+              <a:defRPr sz="1400" kern="1200">
+                <a:solidFill>
+                  <a:schemeClr val="tx1">
+                    <a:lumMod val="75000"/>
+                    <a:lumOff val="25000"/>
+                  </a:schemeClr>
+                </a:solidFill>
+                <a:latin typeface="+mn-lt"/>
+                <a:ea typeface="+mn-ea"/>
+                <a:cs typeface="+mn-cs"/>
+              </a:defRPr>
+            </a:lvl6pPr>
+            <a:lvl7pPr marL="1300000" indent="-228600" algn="l" defTabSz="914400" rtl="0" eaLnBrk="1" latinLnBrk="0" hangingPunct="1">
+              <a:lnSpc>
+                <a:spcPct val="90000"/>
+              </a:lnSpc>
+              <a:spcBef>
+                <a:spcPts val="200"/>
+              </a:spcBef>
+              <a:spcAft>
+                <a:spcPts val="400"/>
+              </a:spcAft>
+              <a:buClr>
+                <a:schemeClr val="accent1"/>
+              </a:buClr>
+              <a:buFont typeface="Calibri" pitchFamily="34" charset="0"/>
+              <a:buChar char="◦"/>
+              <a:defRPr sz="1400" kern="1200">
+                <a:solidFill>
+                  <a:schemeClr val="tx1">
+                    <a:lumMod val="75000"/>
+                    <a:lumOff val="25000"/>
+                  </a:schemeClr>
+                </a:solidFill>
+                <a:latin typeface="+mn-lt"/>
+                <a:ea typeface="+mn-ea"/>
+                <a:cs typeface="+mn-cs"/>
+              </a:defRPr>
+            </a:lvl7pPr>
+            <a:lvl8pPr marL="1500000" indent="-228600" algn="l" defTabSz="914400" rtl="0" eaLnBrk="1" latinLnBrk="0" hangingPunct="1">
+              <a:lnSpc>
+                <a:spcPct val="90000"/>
+              </a:lnSpc>
+              <a:spcBef>
+                <a:spcPts val="200"/>
+              </a:spcBef>
+              <a:spcAft>
+                <a:spcPts val="400"/>
+              </a:spcAft>
+              <a:buClr>
+                <a:schemeClr val="accent1"/>
+              </a:buClr>
+              <a:buFont typeface="Calibri" pitchFamily="34" charset="0"/>
+              <a:buChar char="◦"/>
+              <a:defRPr sz="1400" kern="1200">
+                <a:solidFill>
+                  <a:schemeClr val="tx1">
+                    <a:lumMod val="75000"/>
+                    <a:lumOff val="25000"/>
+                  </a:schemeClr>
+                </a:solidFill>
+                <a:latin typeface="+mn-lt"/>
+                <a:ea typeface="+mn-ea"/>
+                <a:cs typeface="+mn-cs"/>
+              </a:defRPr>
+            </a:lvl8pPr>
+            <a:lvl9pPr marL="1700000" indent="-228600" algn="l" defTabSz="914400" rtl="0" eaLnBrk="1" latinLnBrk="0" hangingPunct="1">
+              <a:lnSpc>
+                <a:spcPct val="90000"/>
+              </a:lnSpc>
+              <a:spcBef>
+                <a:spcPts val="200"/>
+              </a:spcBef>
+              <a:spcAft>
+                <a:spcPts val="400"/>
+              </a:spcAft>
+              <a:buClr>
+                <a:schemeClr val="accent1"/>
+              </a:buClr>
+              <a:buFont typeface="Calibri" pitchFamily="34" charset="0"/>
+              <a:buChar char="◦"/>
+              <a:defRPr sz="1400" kern="1200">
+                <a:solidFill>
+                  <a:schemeClr val="tx1">
+                    <a:lumMod val="75000"/>
+                    <a:lumOff val="25000"/>
+                  </a:schemeClr>
+                </a:solidFill>
+                <a:latin typeface="+mn-lt"/>
+                <a:ea typeface="+mn-ea"/>
+                <a:cs typeface="+mn-cs"/>
+              </a:defRPr>
+            </a:lvl9pPr>
+          </a:lstStyle>
+          <a:p>
             <a:pPr marL="457200" indent="-457200">
               <a:buFont typeface="+mj-lt"/>
               <a:buAutoNum type="arabicPeriod"/>
@@ -8072,6 +8499,18 @@
               <a:rPr lang="en-IN" dirty="0"/>
               <a:t>Following is the performance of models used.</a:t>
             </a:r>
+          </a:p>
+          <a:p>
+            <a:pPr marL="0" indent="0">
+              <a:buNone/>
+            </a:pPr>
+            <a:endParaRPr lang="en-IN" dirty="0"/>
+          </a:p>
+          <a:p>
+            <a:pPr marL="0" indent="0">
+              <a:buNone/>
+            </a:pPr>
+            <a:endParaRPr lang="en-IN" dirty="0"/>
           </a:p>
           <a:p>
             <a:pPr marL="457200" indent="-457200">
@@ -8095,45 +8534,68 @@
             <a:endParaRPr lang="en-IN" dirty="0"/>
           </a:p>
           <a:p>
+            <a:pPr marL="0" indent="0">
+              <a:buNone/>
+            </a:pPr>
+            <a:endParaRPr lang="en-IN" dirty="0"/>
+          </a:p>
+          <a:p>
+            <a:pPr marL="0" indent="0">
+              <a:buNone/>
+            </a:pPr>
+            <a:endParaRPr lang="en-IN" dirty="0"/>
+          </a:p>
+          <a:p>
+            <a:pPr marL="0" indent="0">
+              <a:buNone/>
+            </a:pPr>
+            <a:endParaRPr lang="en-IN" dirty="0"/>
+          </a:p>
+          <a:p>
+            <a:pPr marL="0" indent="0">
+              <a:buNone/>
+            </a:pPr>
+            <a:endParaRPr lang="en-IN" dirty="0"/>
+          </a:p>
+          <a:p>
             <a:pPr marL="457200" indent="-457200">
               <a:buFont typeface="+mj-lt"/>
               <a:buAutoNum type="arabicPeriod"/>
             </a:pPr>
             <a:endParaRPr lang="en-IN" dirty="0"/>
           </a:p>
-          <a:p>
-            <a:pPr marL="0" indent="0">
-              <a:buNone/>
-            </a:pPr>
-            <a:endParaRPr lang="en-IN" dirty="0"/>
-          </a:p>
-          <a:p>
-            <a:pPr marL="0" indent="0">
-              <a:buNone/>
-            </a:pPr>
-            <a:endParaRPr lang="en-IN" dirty="0"/>
-          </a:p>
-          <a:p>
-            <a:pPr marL="0" indent="0">
-              <a:buNone/>
-            </a:pPr>
-            <a:endParaRPr lang="en-IN" dirty="0"/>
-          </a:p>
-          <a:p>
-            <a:pPr marL="0" indent="0">
-              <a:buNone/>
-            </a:pPr>
-            <a:endParaRPr lang="en-IN" dirty="0"/>
-          </a:p>
-          <a:p>
-            <a:pPr marL="457200" indent="-457200">
-              <a:buFont typeface="+mj-lt"/>
-              <a:buAutoNum type="arabicPeriod"/>
-            </a:pPr>
-            <a:endParaRPr lang="en-IN" dirty="0"/>
-          </a:p>
-        </p:txBody>
-      </p:sp>
+        </p:txBody>
+      </p:sp>
+      <p:pic>
+        <p:nvPicPr>
+          <p:cNvPr id="6" name="Picture 5">
+            <a:extLst>
+              <a:ext uri="{FF2B5EF4-FFF2-40B4-BE49-F238E27FC236}">
+                <a16:creationId xmlns:a16="http://schemas.microsoft.com/office/drawing/2014/main" id="{9193BC63-3C1A-4055-BB19-D1AF11B57C28}"/>
+              </a:ext>
+            </a:extLst>
+          </p:cNvPr>
+          <p:cNvPicPr>
+            <a:picLocks noChangeAspect="1"/>
+          </p:cNvPicPr>
+          <p:nvPr/>
+        </p:nvPicPr>
+        <p:blipFill>
+          <a:blip r:embed="rId2"/>
+          <a:stretch>
+            <a:fillRect/>
+          </a:stretch>
+        </p:blipFill>
+        <p:spPr>
+          <a:xfrm>
+            <a:off x="1172133" y="1593273"/>
+            <a:ext cx="6290895" cy="2345385"/>
+          </a:xfrm>
+          <a:prstGeom prst="rect">
+            <a:avLst/>
+          </a:prstGeom>
+        </p:spPr>
+      </p:pic>
     </p:spTree>
     <p:extLst>
       <p:ext uri="{BB962C8B-B14F-4D97-AF65-F5344CB8AC3E}">
@@ -8147,7 +8609,7 @@
 </p:sld>
 </file>
 
-<file path=ppt/slides/slide7.xml><?xml version="1.0" encoding="utf-8"?>
+<file path=ppt/slides/slide9.xml><?xml version="1.0" encoding="utf-8"?>
 <p:sld xmlns:a="http://schemas.openxmlformats.org/drawingml/2006/main" xmlns:r="http://schemas.openxmlformats.org/officeDocument/2006/relationships" xmlns:p="http://schemas.openxmlformats.org/presentationml/2006/main">
   <p:cSld>
     <p:spTree>
